--- a/uke_3/slides/aws-storage.pptx
+++ b/uke_3/slides/aws-storage.pptx
@@ -264,7 +264,7 @@
           <a:p>
             <a:fld id="{2E405B87-0B1C-464B-928F-AA5E9D282D70}" type="datetimeFigureOut">
               <a:rPr lang="en-US" smtClean="0"/>
-              <a:t>1/20/25</a:t>
+              <a:t>1/19/26</a:t>
             </a:fld>
             <a:endParaRPr lang="en-US"/>
           </a:p>
@@ -752,7 +752,7 @@
           <a:p>
             <a:fld id="{2E405B87-0B1C-464B-928F-AA5E9D282D70}" type="datetimeFigureOut">
               <a:rPr lang="en-US" smtClean="0"/>
-              <a:t>1/20/25</a:t>
+              <a:t>1/19/26</a:t>
             </a:fld>
             <a:endParaRPr lang="en-US"/>
           </a:p>
@@ -920,7 +920,7 @@
           <a:p>
             <a:fld id="{2E405B87-0B1C-464B-928F-AA5E9D282D70}" type="datetimeFigureOut">
               <a:rPr lang="en-US" smtClean="0"/>
-              <a:t>1/20/25</a:t>
+              <a:t>1/19/26</a:t>
             </a:fld>
             <a:endParaRPr lang="en-US"/>
           </a:p>
@@ -1054,7 +1054,7 @@
           <a:p>
             <a:fld id="{2E405B87-0B1C-464B-928F-AA5E9D282D70}" type="datetimeFigureOut">
               <a:rPr lang="en-US" smtClean="0"/>
-              <a:t>1/20/25</a:t>
+              <a:t>1/19/26</a:t>
             </a:fld>
             <a:endParaRPr lang="en-US"/>
           </a:p>
@@ -1508,7 +1508,7 @@
           <a:p>
             <a:fld id="{2E405B87-0B1C-464B-928F-AA5E9D282D70}" type="datetimeFigureOut">
               <a:rPr lang="en-US" smtClean="0"/>
-              <a:t>1/20/25</a:t>
+              <a:t>1/19/26</a:t>
             </a:fld>
             <a:endParaRPr lang="en-US"/>
           </a:p>
@@ -2456,7 +2456,7 @@
           <a:p>
             <a:fld id="{2E405B87-0B1C-464B-928F-AA5E9D282D70}" type="datetimeFigureOut">
               <a:rPr lang="en-US" smtClean="0"/>
-              <a:t>1/20/25</a:t>
+              <a:t>1/19/26</a:t>
             </a:fld>
             <a:endParaRPr lang="en-US"/>
           </a:p>
@@ -2690,7 +2690,7 @@
           <a:p>
             <a:fld id="{2E405B87-0B1C-464B-928F-AA5E9D282D70}" type="datetimeFigureOut">
               <a:rPr lang="en-US" smtClean="0"/>
-              <a:t>1/20/25</a:t>
+              <a:t>1/19/26</a:t>
             </a:fld>
             <a:endParaRPr lang="en-US"/>
           </a:p>
@@ -3248,7 +3248,7 @@
           <a:p>
             <a:fld id="{2E405B87-0B1C-464B-928F-AA5E9D282D70}" type="datetimeFigureOut">
               <a:rPr lang="en-US" smtClean="0"/>
-              <a:t>1/20/25</a:t>
+              <a:t>1/19/26</a:t>
             </a:fld>
             <a:endParaRPr lang="en-US"/>
           </a:p>
@@ -4091,7 +4091,7 @@
           <a:p>
             <a:fld id="{2E405B87-0B1C-464B-928F-AA5E9D282D70}" type="datetimeFigureOut">
               <a:rPr lang="en-US" smtClean="0"/>
-              <a:t>1/20/25</a:t>
+              <a:t>1/19/26</a:t>
             </a:fld>
             <a:endParaRPr lang="en-US"/>
           </a:p>
@@ -4523,7 +4523,7 @@
           <a:p>
             <a:fld id="{2E405B87-0B1C-464B-928F-AA5E9D282D70}" type="datetimeFigureOut">
               <a:rPr lang="en-US" smtClean="0"/>
-              <a:t>1/20/25</a:t>
+              <a:t>1/19/26</a:t>
             </a:fld>
             <a:endParaRPr lang="en-US"/>
           </a:p>
@@ -5080,7 +5080,7 @@
           <a:p>
             <a:fld id="{2E405B87-0B1C-464B-928F-AA5E9D282D70}" type="datetimeFigureOut">
               <a:rPr lang="en-US" smtClean="0"/>
-              <a:t>1/20/25</a:t>
+              <a:t>1/19/26</a:t>
             </a:fld>
             <a:endParaRPr lang="en-US"/>
           </a:p>
@@ -5637,7 +5637,7 @@
           <a:p>
             <a:fld id="{2E405B87-0B1C-464B-928F-AA5E9D282D70}" type="datetimeFigureOut">
               <a:rPr lang="en-US" smtClean="0"/>
-              <a:t>1/20/25</a:t>
+              <a:t>1/19/26</a:t>
             </a:fld>
             <a:endParaRPr lang="en-US"/>
           </a:p>
@@ -6095,7 +6095,7 @@
           <a:p>
             <a:fld id="{2E405B87-0B1C-464B-928F-AA5E9D282D70}" type="datetimeFigureOut">
               <a:rPr lang="en-US" smtClean="0"/>
-              <a:t>1/20/25</a:t>
+              <a:t>1/19/26</a:t>
             </a:fld>
             <a:endParaRPr lang="en-US"/>
           </a:p>
@@ -6306,7 +6306,7 @@
           <a:p>
             <a:fld id="{2E405B87-0B1C-464B-928F-AA5E9D282D70}" type="datetimeFigureOut">
               <a:rPr lang="en-US" smtClean="0"/>
-              <a:t>1/20/25</a:t>
+              <a:t>1/19/26</a:t>
             </a:fld>
             <a:endParaRPr lang="en-US"/>
           </a:p>
@@ -6890,7 +6890,7 @@
           <a:p>
             <a:fld id="{2E405B87-0B1C-464B-928F-AA5E9D282D70}" type="datetimeFigureOut">
               <a:rPr lang="en-US" smtClean="0"/>
-              <a:t>1/20/25</a:t>
+              <a:t>1/19/26</a:t>
             </a:fld>
             <a:endParaRPr lang="en-US"/>
           </a:p>
@@ -7474,7 +7474,7 @@
           <a:p>
             <a:fld id="{2E405B87-0B1C-464B-928F-AA5E9D282D70}" type="datetimeFigureOut">
               <a:rPr lang="en-US" smtClean="0"/>
-              <a:t>1/20/25</a:t>
+              <a:t>1/19/26</a:t>
             </a:fld>
             <a:endParaRPr lang="en-US"/>
           </a:p>
@@ -8058,7 +8058,7 @@
           <a:p>
             <a:fld id="{2E405B87-0B1C-464B-928F-AA5E9D282D70}" type="datetimeFigureOut">
               <a:rPr lang="en-US" smtClean="0"/>
-              <a:t>1/20/25</a:t>
+              <a:t>1/19/26</a:t>
             </a:fld>
             <a:endParaRPr lang="en-US"/>
           </a:p>
@@ -8643,7 +8643,7 @@
           <a:p>
             <a:fld id="{2E405B87-0B1C-464B-928F-AA5E9D282D70}" type="datetimeFigureOut">
               <a:rPr lang="en-US" smtClean="0"/>
-              <a:t>1/20/25</a:t>
+              <a:t>1/19/26</a:t>
             </a:fld>
             <a:endParaRPr lang="en-US"/>
           </a:p>
@@ -9227,7 +9227,7 @@
           <a:p>
             <a:fld id="{2E405B87-0B1C-464B-928F-AA5E9D282D70}" type="datetimeFigureOut">
               <a:rPr lang="en-US" smtClean="0"/>
-              <a:t>1/20/25</a:t>
+              <a:t>1/19/26</a:t>
             </a:fld>
             <a:endParaRPr lang="en-US"/>
           </a:p>
@@ -9811,7 +9811,7 @@
           <a:p>
             <a:fld id="{2E405B87-0B1C-464B-928F-AA5E9D282D70}" type="datetimeFigureOut">
               <a:rPr lang="en-US" smtClean="0"/>
-              <a:t>1/20/25</a:t>
+              <a:t>1/19/26</a:t>
             </a:fld>
             <a:endParaRPr lang="en-US"/>
           </a:p>
@@ -10395,7 +10395,7 @@
           <a:p>
             <a:fld id="{2E405B87-0B1C-464B-928F-AA5E9D282D70}" type="datetimeFigureOut">
               <a:rPr lang="en-US" smtClean="0"/>
-              <a:t>1/20/25</a:t>
+              <a:t>1/19/26</a:t>
             </a:fld>
             <a:endParaRPr lang="en-US"/>
           </a:p>
@@ -10979,7 +10979,7 @@
           <a:p>
             <a:fld id="{2E405B87-0B1C-464B-928F-AA5E9D282D70}" type="datetimeFigureOut">
               <a:rPr lang="en-US" smtClean="0"/>
-              <a:t>1/20/25</a:t>
+              <a:t>1/19/26</a:t>
             </a:fld>
             <a:endParaRPr lang="en-US"/>
           </a:p>
@@ -11563,7 +11563,7 @@
           <a:p>
             <a:fld id="{2E405B87-0B1C-464B-928F-AA5E9D282D70}" type="datetimeFigureOut">
               <a:rPr lang="en-US" smtClean="0"/>
-              <a:t>1/20/25</a:t>
+              <a:t>1/19/26</a:t>
             </a:fld>
             <a:endParaRPr lang="en-US"/>
           </a:p>
@@ -12147,7 +12147,7 @@
           <a:p>
             <a:fld id="{2E405B87-0B1C-464B-928F-AA5E9D282D70}" type="datetimeFigureOut">
               <a:rPr lang="en-US" smtClean="0"/>
-              <a:t>1/20/25</a:t>
+              <a:t>1/19/26</a:t>
             </a:fld>
             <a:endParaRPr lang="en-US"/>
           </a:p>
@@ -12731,7 +12731,7 @@
           <a:p>
             <a:fld id="{2E405B87-0B1C-464B-928F-AA5E9D282D70}" type="datetimeFigureOut">
               <a:rPr lang="en-US" smtClean="0"/>
-              <a:t>1/20/25</a:t>
+              <a:t>1/19/26</a:t>
             </a:fld>
             <a:endParaRPr lang="en-US"/>
           </a:p>
@@ -14563,49 +14563,6 @@
       </p:sp>
       <p:sp>
         <p:nvSpPr>
-          <p:cNvPr id="6" name="TextBox 5">
-            <a:extLst>
-              <a:ext uri="{FF2B5EF4-FFF2-40B4-BE49-F238E27FC236}">
-                <a16:creationId xmlns:a16="http://schemas.microsoft.com/office/drawing/2014/main" id="{EAE1B25B-554C-F0CD-6BBB-E2D7B034E859}"/>
-              </a:ext>
-            </a:extLst>
-          </p:cNvPr>
-          <p:cNvSpPr txBox="1"/>
-          <p:nvPr>
-            <p:custDataLst>
-              <p:tags r:id="rId1"/>
-            </p:custDataLst>
-          </p:nvPr>
-        </p:nvSpPr>
-        <p:spPr>
-          <a:xfrm>
-            <a:off x="609600" y="460338"/>
-            <a:ext cx="5486400" cy="414150"/>
-          </a:xfrm>
-          <a:prstGeom prst="rect">
-            <a:avLst/>
-          </a:prstGeom>
-          <a:noFill/>
-        </p:spPr>
-        <p:txBody>
-          <a:bodyPr wrap="square">
-            <a:spAutoFit/>
-          </a:bodyPr>
-          <a:lstStyle/>
-          <a:p>
-            <a:r>
-              <a:rPr lang="en-US" sz="1400">
-                <a:solidFill>
-                  <a:schemeClr val="accent2"/>
-                </a:solidFill>
-              </a:rPr>
-              <a:t>Oppsummering</a:t>
-            </a:r>
-          </a:p>
-        </p:txBody>
-      </p:sp>
-      <p:sp>
-        <p:nvSpPr>
           <p:cNvPr id="5" name="Rectangle 4">
             <a:extLst>
               <a:ext uri="{FF2B5EF4-FFF2-40B4-BE49-F238E27FC236}">
@@ -14616,7 +14573,7 @@
           <p:cNvSpPr/>
           <p:nvPr>
             <p:custDataLst>
-              <p:tags r:id="rId2"/>
+              <p:tags r:id="rId1"/>
             </p:custDataLst>
           </p:nvPr>
         </p:nvSpPr>
@@ -14702,7 +14659,7 @@
           <p:nvPr>
             <p:ph type="title"/>
             <p:custDataLst>
-              <p:tags r:id="rId3"/>
+              <p:tags r:id="rId2"/>
             </p:custDataLst>
           </p:nvPr>
         </p:nvSpPr>
@@ -14719,9 +14676,10 @@
           <a:lstStyle/>
           <a:p>
             <a:r>
-              <a:rPr lang="en-US" sz="2600"/>
-              <a:t>Konklusjon</a:t>
-            </a:r>
+              <a:rPr lang="en-US" sz="2600" dirty="0" err="1"/>
+              <a:t>Oppsummering</a:t>
+            </a:r>
+            <a:endParaRPr lang="en-US" sz="2600" dirty="0"/>
           </a:p>
         </p:txBody>
       </p:sp>
@@ -14740,7 +14698,7 @@
           <p:nvPr>
             <p:ph type="body" idx="1"/>
             <p:custDataLst>
-              <p:tags r:id="rId4"/>
+              <p:tags r:id="rId3"/>
             </p:custDataLst>
           </p:nvPr>
         </p:nvSpPr>
@@ -14788,7 +14746,7 @@
           <p:nvPr>
             <p:ph sz="half" idx="2"/>
             <p:custDataLst>
-              <p:tags r:id="rId5"/>
+              <p:tags r:id="rId4"/>
             </p:custDataLst>
           </p:nvPr>
         </p:nvSpPr>
@@ -14836,7 +14794,7 @@
           <p:nvPr/>
         </p:nvPicPr>
         <p:blipFill>
-          <a:blip r:embed="rId7">
+          <a:blip r:embed="rId6">
             <a:extLst>
               <a:ext uri="{28A0092B-C50C-407E-A947-70E740481C1C}">
                 <a14:useLocalDpi xmlns:a14="http://schemas.microsoft.com/office/drawing/2010/main" val="0"/>
@@ -19500,29 +19458,23 @@
 
 <file path=ppt/tags/tag84.xml><?xml version="1.0" encoding="utf-8"?>
 <p:tagLst xmlns:a="http://schemas.openxmlformats.org/drawingml/2006/main" xmlns:r="http://schemas.openxmlformats.org/officeDocument/2006/relationships" xmlns:p="http://schemas.openxmlformats.org/presentationml/2006/main">
-  <p:tag name="PLUS_ID" val="chapter"/>
+  <p:tag name="PLUS_ID" val="logo"/>
 </p:tagLst>
 </file>
 
 <file path=ppt/tags/tag85.xml><?xml version="1.0" encoding="utf-8"?>
 <p:tagLst xmlns:a="http://schemas.openxmlformats.org/drawingml/2006/main" xmlns:r="http://schemas.openxmlformats.org/officeDocument/2006/relationships" xmlns:p="http://schemas.openxmlformats.org/presentationml/2006/main">
-  <p:tag name="PLUS_ID" val="logo"/>
+  <p:tag name="PLUS_ID" val="title"/>
 </p:tagLst>
 </file>
 
 <file path=ppt/tags/tag86.xml><?xml version="1.0" encoding="utf-8"?>
 <p:tagLst xmlns:a="http://schemas.openxmlformats.org/drawingml/2006/main" xmlns:r="http://schemas.openxmlformats.org/officeDocument/2006/relationships" xmlns:p="http://schemas.openxmlformats.org/presentationml/2006/main">
-  <p:tag name="PLUS_ID" val="title"/>
+  <p:tag name="PLUS_ID" val="header_0"/>
 </p:tagLst>
 </file>
 
 <file path=ppt/tags/tag87.xml><?xml version="1.0" encoding="utf-8"?>
-<p:tagLst xmlns:a="http://schemas.openxmlformats.org/drawingml/2006/main" xmlns:r="http://schemas.openxmlformats.org/officeDocument/2006/relationships" xmlns:p="http://schemas.openxmlformats.org/presentationml/2006/main">
-  <p:tag name="PLUS_ID" val="header_0"/>
-</p:tagLst>
-</file>
-
-<file path=ppt/tags/tag88.xml><?xml version="1.0" encoding="utf-8"?>
 <p:tagLst xmlns:a="http://schemas.openxmlformats.org/drawingml/2006/main" xmlns:r="http://schemas.openxmlformats.org/officeDocument/2006/relationships" xmlns:p="http://schemas.openxmlformats.org/presentationml/2006/main">
   <p:tag name="PLUS_ID" val="detail_0"/>
 </p:tagLst>
